--- a/Aario-PPT/IT/7. PHP - The Best & The Worst Language On The Earth.pptx
+++ b/Aario-PPT/IT/7. PHP - The Best & The Worst Language On The Earth.pptx
@@ -3783,7 +3783,7 @@
         </p:blipFill>
         <p:spPr bwMode="auto">
           <a:xfrm>
-            <a:off x="179512" y="1628800"/>
+            <a:off x="174898" y="2708920"/>
             <a:ext cx="3028950" cy="3152775"/>
           </a:xfrm>
           <a:prstGeom prst="rect">
@@ -3842,6 +3842,80 @@
           </a:extLst>
         </p:spPr>
       </p:pic>
+      <p:sp>
+        <p:nvSpPr>
+          <p:cNvPr id="2" name="TextBox 1"/>
+          <p:cNvSpPr txBox="1"/>
+          <p:nvPr/>
+        </p:nvSpPr>
+        <p:spPr>
+          <a:xfrm>
+            <a:off x="5652120" y="1498457"/>
+            <a:ext cx="2808312" cy="923330"/>
+          </a:xfrm>
+          <a:prstGeom prst="rect">
+            <a:avLst/>
+          </a:prstGeom>
+          <a:noFill/>
+        </p:spPr>
+        <p:txBody>
+          <a:bodyPr wrap="square" rtlCol="0">
+            <a:spAutoFit/>
+          </a:bodyPr>
+          <a:lstStyle/>
+          <a:p>
+            <a:r>
+              <a:rPr lang="en-US" altLang="zh-CN" dirty="0" smtClean="0"/>
+              <a:t>4</a:t>
+            </a:r>
+            <a:r>
+              <a:rPr lang="zh-CN" altLang="en-US" dirty="0" smtClean="0"/>
+              <a:t>个</a:t>
+            </a:r>
+            <a:r>
+              <a:rPr lang="en-US" altLang="zh-CN" dirty="0" smtClean="0"/>
+              <a:t>uint32_t </a:t>
+            </a:r>
+            <a:r>
+              <a:rPr lang="zh-CN" altLang="en-US" dirty="0" smtClean="0"/>
+              <a:t>长度（无论</a:t>
+            </a:r>
+            <a:r>
+              <a:rPr lang="en-US" altLang="zh-CN" dirty="0" smtClean="0"/>
+              <a:t>32</a:t>
+            </a:r>
+            <a:r>
+              <a:rPr lang="zh-CN" altLang="en-US" dirty="0" smtClean="0"/>
+              <a:t>位，还是</a:t>
+            </a:r>
+            <a:r>
+              <a:rPr lang="en-US" altLang="zh-CN" dirty="0" smtClean="0"/>
+              <a:t>64</a:t>
+            </a:r>
+            <a:r>
+              <a:rPr lang="zh-CN" altLang="en-US" dirty="0" smtClean="0"/>
+              <a:t>位，</a:t>
+            </a:r>
+            <a:r>
+              <a:rPr lang="en-US" altLang="zh-CN" dirty="0" smtClean="0"/>
+              <a:t>int32_t </a:t>
+            </a:r>
+            <a:r>
+              <a:rPr lang="zh-CN" altLang="en-US" dirty="0" smtClean="0"/>
+              <a:t>都是 </a:t>
+            </a:r>
+            <a:r>
+              <a:rPr lang="en-US" altLang="zh-CN" dirty="0" smtClean="0"/>
+              <a:t>4</a:t>
+            </a:r>
+            <a:r>
+              <a:rPr lang="zh-CN" altLang="en-US" dirty="0" smtClean="0"/>
+              <a:t>字节）</a:t>
+            </a:r>
+            <a:endParaRPr lang="zh-CN" altLang="en-US" dirty="0"/>
+          </a:p>
+        </p:txBody>
+      </p:sp>
     </p:spTree>
     <p:extLst>
       <p:ext uri="{BB962C8B-B14F-4D97-AF65-F5344CB8AC3E}">
